--- a/DocumentationSource/2020Q101/KPImetrics_Table_Relationship_Diagram.pptx
+++ b/DocumentationSource/2020Q101/KPImetrics_Table_Relationship_Diagram.pptx
@@ -261,7 +261,7 @@
           <a:p>
             <a:fld id="{37C138D2-0999-7A40-A0EB-A42B91BDEB05}" type="datetimeFigureOut">
               <a:rPr lang="en-US" smtClean="0"/>
-              <a:t>2/5/20</a:t>
+              <a:t>2/15/20</a:t>
             </a:fld>
             <a:endParaRPr lang="en-US"/>
           </a:p>
@@ -459,7 +459,7 @@
           <a:p>
             <a:fld id="{37C138D2-0999-7A40-A0EB-A42B91BDEB05}" type="datetimeFigureOut">
               <a:rPr lang="en-US" smtClean="0"/>
-              <a:t>2/5/20</a:t>
+              <a:t>2/15/20</a:t>
             </a:fld>
             <a:endParaRPr lang="en-US"/>
           </a:p>
@@ -667,7 +667,7 @@
           <a:p>
             <a:fld id="{37C138D2-0999-7A40-A0EB-A42B91BDEB05}" type="datetimeFigureOut">
               <a:rPr lang="en-US" smtClean="0"/>
-              <a:t>2/5/20</a:t>
+              <a:t>2/15/20</a:t>
             </a:fld>
             <a:endParaRPr lang="en-US"/>
           </a:p>
@@ -865,7 +865,7 @@
           <a:p>
             <a:fld id="{37C138D2-0999-7A40-A0EB-A42B91BDEB05}" type="datetimeFigureOut">
               <a:rPr lang="en-US" smtClean="0"/>
-              <a:t>2/5/20</a:t>
+              <a:t>2/15/20</a:t>
             </a:fld>
             <a:endParaRPr lang="en-US"/>
           </a:p>
@@ -1140,7 +1140,7 @@
           <a:p>
             <a:fld id="{37C138D2-0999-7A40-A0EB-A42B91BDEB05}" type="datetimeFigureOut">
               <a:rPr lang="en-US" smtClean="0"/>
-              <a:t>2/5/20</a:t>
+              <a:t>2/15/20</a:t>
             </a:fld>
             <a:endParaRPr lang="en-US"/>
           </a:p>
@@ -1405,7 +1405,7 @@
           <a:p>
             <a:fld id="{37C138D2-0999-7A40-A0EB-A42B91BDEB05}" type="datetimeFigureOut">
               <a:rPr lang="en-US" smtClean="0"/>
-              <a:t>2/5/20</a:t>
+              <a:t>2/15/20</a:t>
             </a:fld>
             <a:endParaRPr lang="en-US"/>
           </a:p>
@@ -1817,7 +1817,7 @@
           <a:p>
             <a:fld id="{37C138D2-0999-7A40-A0EB-A42B91BDEB05}" type="datetimeFigureOut">
               <a:rPr lang="en-US" smtClean="0"/>
-              <a:t>2/5/20</a:t>
+              <a:t>2/15/20</a:t>
             </a:fld>
             <a:endParaRPr lang="en-US"/>
           </a:p>
@@ -1958,7 +1958,7 @@
           <a:p>
             <a:fld id="{37C138D2-0999-7A40-A0EB-A42B91BDEB05}" type="datetimeFigureOut">
               <a:rPr lang="en-US" smtClean="0"/>
-              <a:t>2/5/20</a:t>
+              <a:t>2/15/20</a:t>
             </a:fld>
             <a:endParaRPr lang="en-US"/>
           </a:p>
@@ -2071,7 +2071,7 @@
           <a:p>
             <a:fld id="{37C138D2-0999-7A40-A0EB-A42B91BDEB05}" type="datetimeFigureOut">
               <a:rPr lang="en-US" smtClean="0"/>
-              <a:t>2/5/20</a:t>
+              <a:t>2/15/20</a:t>
             </a:fld>
             <a:endParaRPr lang="en-US"/>
           </a:p>
@@ -2382,7 +2382,7 @@
           <a:p>
             <a:fld id="{37C138D2-0999-7A40-A0EB-A42B91BDEB05}" type="datetimeFigureOut">
               <a:rPr lang="en-US" smtClean="0"/>
-              <a:t>2/5/20</a:t>
+              <a:t>2/15/20</a:t>
             </a:fld>
             <a:endParaRPr lang="en-US"/>
           </a:p>
@@ -2670,7 +2670,7 @@
           <a:p>
             <a:fld id="{37C138D2-0999-7A40-A0EB-A42B91BDEB05}" type="datetimeFigureOut">
               <a:rPr lang="en-US" smtClean="0"/>
-              <a:t>2/5/20</a:t>
+              <a:t>2/15/20</a:t>
             </a:fld>
             <a:endParaRPr lang="en-US"/>
           </a:p>
@@ -2911,7 +2911,7 @@
           <a:p>
             <a:fld id="{37C138D2-0999-7A40-A0EB-A42B91BDEB05}" type="datetimeFigureOut">
               <a:rPr lang="en-US" smtClean="0"/>
-              <a:t>2/5/20</a:t>
+              <a:t>2/15/20</a:t>
             </a:fld>
             <a:endParaRPr lang="en-US"/>
           </a:p>
@@ -6946,6 +6946,46 @@
           </a:p>
         </p:txBody>
       </p:sp>
+      <p:sp>
+        <p:nvSpPr>
+          <p:cNvPr id="19" name="TextBox 18">
+            <a:extLst>
+              <a:ext uri="{FF2B5EF4-FFF2-40B4-BE49-F238E27FC236}">
+                <a16:creationId xmlns:a16="http://schemas.microsoft.com/office/drawing/2014/main" id="{F54D36D7-2B4A-374E-8538-DBECAA23D639}"/>
+              </a:ext>
+            </a:extLst>
+          </p:cNvPr>
+          <p:cNvSpPr txBox="1"/>
+          <p:nvPr/>
+        </p:nvSpPr>
+        <p:spPr>
+          <a:xfrm>
+            <a:off x="4713972" y="4493833"/>
+            <a:ext cx="2940372" cy="307777"/>
+          </a:xfrm>
+          <a:prstGeom prst="rect">
+            <a:avLst/>
+          </a:prstGeom>
+          <a:noFill/>
+          <a:ln>
+            <a:solidFill>
+              <a:schemeClr val="tx1"/>
+            </a:solidFill>
+          </a:ln>
+        </p:spPr>
+        <p:txBody>
+          <a:bodyPr wrap="square" rtlCol="0">
+            <a:spAutoFit/>
+          </a:bodyPr>
+          <a:lstStyle/>
+          <a:p>
+            <a:r>
+              <a:rPr lang="en-US" sz="1400" dirty="0"/>
+              <a:t>METRICS_JOB_DELETE_CHECK</a:t>
+            </a:r>
+          </a:p>
+        </p:txBody>
+      </p:sp>
     </p:spTree>
     <p:extLst>
       <p:ext uri="{BB962C8B-B14F-4D97-AF65-F5344CB8AC3E}">
@@ -6990,7 +7030,7 @@
         </p:nvSpPr>
         <p:spPr>
           <a:xfrm>
-            <a:off x="8712911" y="4115364"/>
+            <a:off x="8712911" y="3704983"/>
             <a:ext cx="2686640" cy="313964"/>
           </a:xfrm>
           <a:prstGeom prst="rect">
@@ -7867,7 +7907,7 @@
         <p:spPr>
           <a:xfrm>
             <a:off x="7506308" y="3686556"/>
-            <a:ext cx="1206603" cy="585790"/>
+            <a:ext cx="1206603" cy="175409"/>
           </a:xfrm>
           <a:prstGeom prst="straightConnector1">
             <a:avLst/>
@@ -8030,7 +8070,7 @@
         </p:nvSpPr>
         <p:spPr>
           <a:xfrm>
-            <a:off x="9319846" y="5482293"/>
+            <a:off x="9412443" y="5580192"/>
             <a:ext cx="2223389" cy="738664"/>
           </a:xfrm>
           <a:prstGeom prst="rect">
@@ -8064,6 +8104,341 @@
           </a:p>
         </p:txBody>
       </p:sp>
+      <p:sp>
+        <p:nvSpPr>
+          <p:cNvPr id="28" name="TextBox 27">
+            <a:extLst>
+              <a:ext uri="{FF2B5EF4-FFF2-40B4-BE49-F238E27FC236}">
+                <a16:creationId xmlns:a16="http://schemas.microsoft.com/office/drawing/2014/main" id="{50F6EBFA-DBC5-A540-9917-B8AFBEE3D1FB}"/>
+              </a:ext>
+            </a:extLst>
+          </p:cNvPr>
+          <p:cNvSpPr txBox="1"/>
+          <p:nvPr/>
+        </p:nvSpPr>
+        <p:spPr>
+          <a:xfrm>
+            <a:off x="8712234" y="5015013"/>
+            <a:ext cx="2670294" cy="307777"/>
+          </a:xfrm>
+          <a:prstGeom prst="rect">
+            <a:avLst/>
+          </a:prstGeom>
+          <a:noFill/>
+          <a:ln>
+            <a:solidFill>
+              <a:schemeClr val="tx1"/>
+            </a:solidFill>
+          </a:ln>
+        </p:spPr>
+        <p:txBody>
+          <a:bodyPr wrap="square" rtlCol="0">
+            <a:spAutoFit/>
+          </a:bodyPr>
+          <a:lstStyle/>
+          <a:p>
+            <a:pPr algn="ctr"/>
+            <a:r>
+              <a:rPr lang="en-US" sz="1400" dirty="0"/>
+              <a:t>METADATA_ALL_USERS_GROUPS</a:t>
+            </a:r>
+          </a:p>
+        </p:txBody>
+      </p:sp>
+      <p:sp>
+        <p:nvSpPr>
+          <p:cNvPr id="29" name="TextBox 28">
+            <a:extLst>
+              <a:ext uri="{FF2B5EF4-FFF2-40B4-BE49-F238E27FC236}">
+                <a16:creationId xmlns:a16="http://schemas.microsoft.com/office/drawing/2014/main" id="{A615B91A-3595-6E40-8ABD-5B152EA140B2}"/>
+              </a:ext>
+            </a:extLst>
+          </p:cNvPr>
+          <p:cNvSpPr txBox="1"/>
+          <p:nvPr/>
+        </p:nvSpPr>
+        <p:spPr>
+          <a:xfrm>
+            <a:off x="8712911" y="4368658"/>
+            <a:ext cx="2686640" cy="313964"/>
+          </a:xfrm>
+          <a:prstGeom prst="rect">
+            <a:avLst/>
+          </a:prstGeom>
+          <a:noFill/>
+          <a:ln>
+            <a:solidFill>
+              <a:schemeClr val="tx1"/>
+            </a:solidFill>
+          </a:ln>
+        </p:spPr>
+        <p:txBody>
+          <a:bodyPr wrap="square" rtlCol="0">
+            <a:spAutoFit/>
+          </a:bodyPr>
+          <a:lstStyle/>
+          <a:p>
+            <a:pPr algn="ctr"/>
+            <a:r>
+              <a:rPr lang="en-US" sz="1400" dirty="0"/>
+              <a:t>METADATA_PRIVILEGE_USER</a:t>
+            </a:r>
+          </a:p>
+        </p:txBody>
+      </p:sp>
+      <p:cxnSp>
+        <p:nvCxnSpPr>
+          <p:cNvPr id="31" name="Straight Arrow Connector 30">
+            <a:extLst>
+              <a:ext uri="{FF2B5EF4-FFF2-40B4-BE49-F238E27FC236}">
+                <a16:creationId xmlns:a16="http://schemas.microsoft.com/office/drawing/2014/main" id="{4691D20D-64AC-3C42-946E-22B45BC13CAD}"/>
+              </a:ext>
+            </a:extLst>
+          </p:cNvPr>
+          <p:cNvCxnSpPr>
+            <a:cxnSpLocks/>
+            <a:stCxn id="8" idx="2"/>
+            <a:endCxn id="29" idx="0"/>
+          </p:cNvCxnSpPr>
+          <p:nvPr/>
+        </p:nvCxnSpPr>
+        <p:spPr>
+          <a:xfrm>
+            <a:off x="10056231" y="4018947"/>
+            <a:ext cx="0" cy="349711"/>
+          </a:xfrm>
+          <a:prstGeom prst="straightConnector1">
+            <a:avLst/>
+          </a:prstGeom>
+          <a:ln>
+            <a:tailEnd type="triangle"/>
+          </a:ln>
+        </p:spPr>
+        <p:style>
+          <a:lnRef idx="1">
+            <a:schemeClr val="accent1"/>
+          </a:lnRef>
+          <a:fillRef idx="0">
+            <a:schemeClr val="accent1"/>
+          </a:fillRef>
+          <a:effectRef idx="0">
+            <a:schemeClr val="accent1"/>
+          </a:effectRef>
+          <a:fontRef idx="minor">
+            <a:schemeClr val="tx1"/>
+          </a:fontRef>
+        </p:style>
+      </p:cxnSp>
+      <p:cxnSp>
+        <p:nvCxnSpPr>
+          <p:cNvPr id="34" name="Straight Arrow Connector 33">
+            <a:extLst>
+              <a:ext uri="{FF2B5EF4-FFF2-40B4-BE49-F238E27FC236}">
+                <a16:creationId xmlns:a16="http://schemas.microsoft.com/office/drawing/2014/main" id="{05409E27-BF8F-9B4D-A752-AD9703E0CB47}"/>
+              </a:ext>
+            </a:extLst>
+          </p:cNvPr>
+          <p:cNvCxnSpPr>
+            <a:cxnSpLocks/>
+            <a:stCxn id="28" idx="0"/>
+            <a:endCxn id="29" idx="2"/>
+          </p:cNvCxnSpPr>
+          <p:nvPr/>
+        </p:nvCxnSpPr>
+        <p:spPr>
+          <a:xfrm flipV="1">
+            <a:off x="10047381" y="4682622"/>
+            <a:ext cx="8850" cy="332391"/>
+          </a:xfrm>
+          <a:prstGeom prst="straightConnector1">
+            <a:avLst/>
+          </a:prstGeom>
+          <a:ln>
+            <a:tailEnd type="triangle"/>
+          </a:ln>
+        </p:spPr>
+        <p:style>
+          <a:lnRef idx="1">
+            <a:schemeClr val="accent1"/>
+          </a:lnRef>
+          <a:fillRef idx="0">
+            <a:schemeClr val="accent1"/>
+          </a:fillRef>
+          <a:effectRef idx="0">
+            <a:schemeClr val="accent1"/>
+          </a:effectRef>
+          <a:fontRef idx="minor">
+            <a:schemeClr val="tx1"/>
+          </a:fontRef>
+        </p:style>
+      </p:cxnSp>
+      <p:sp>
+        <p:nvSpPr>
+          <p:cNvPr id="37" name="TextBox 36">
+            <a:extLst>
+              <a:ext uri="{FF2B5EF4-FFF2-40B4-BE49-F238E27FC236}">
+                <a16:creationId xmlns:a16="http://schemas.microsoft.com/office/drawing/2014/main" id="{7B8A7F15-3E28-CB4C-8A9F-845DCAC9D9BC}"/>
+              </a:ext>
+            </a:extLst>
+          </p:cNvPr>
+          <p:cNvSpPr txBox="1"/>
+          <p:nvPr/>
+        </p:nvSpPr>
+        <p:spPr>
+          <a:xfrm>
+            <a:off x="8729257" y="2339048"/>
+            <a:ext cx="2670294" cy="307777"/>
+          </a:xfrm>
+          <a:prstGeom prst="rect">
+            <a:avLst/>
+          </a:prstGeom>
+          <a:noFill/>
+          <a:ln>
+            <a:solidFill>
+              <a:schemeClr val="tx1"/>
+            </a:solidFill>
+          </a:ln>
+        </p:spPr>
+        <p:txBody>
+          <a:bodyPr wrap="square" rtlCol="0">
+            <a:spAutoFit/>
+          </a:bodyPr>
+          <a:lstStyle/>
+          <a:p>
+            <a:pPr algn="ctr"/>
+            <a:r>
+              <a:rPr lang="en-US" sz="1400" dirty="0"/>
+              <a:t>METADATA_ALL_RESOURCES</a:t>
+            </a:r>
+          </a:p>
+        </p:txBody>
+      </p:sp>
+      <p:sp>
+        <p:nvSpPr>
+          <p:cNvPr id="38" name="TextBox 37">
+            <a:extLst>
+              <a:ext uri="{FF2B5EF4-FFF2-40B4-BE49-F238E27FC236}">
+                <a16:creationId xmlns:a16="http://schemas.microsoft.com/office/drawing/2014/main" id="{DB798EBB-2A0B-6B45-9F17-236885968350}"/>
+              </a:ext>
+            </a:extLst>
+          </p:cNvPr>
+          <p:cNvSpPr txBox="1"/>
+          <p:nvPr/>
+        </p:nvSpPr>
+        <p:spPr>
+          <a:xfrm>
+            <a:off x="4836014" y="5380453"/>
+            <a:ext cx="2670294" cy="307777"/>
+          </a:xfrm>
+          <a:prstGeom prst="rect">
+            <a:avLst/>
+          </a:prstGeom>
+          <a:noFill/>
+          <a:ln>
+            <a:solidFill>
+              <a:schemeClr val="tx1"/>
+            </a:solidFill>
+          </a:ln>
+        </p:spPr>
+        <p:txBody>
+          <a:bodyPr wrap="square" rtlCol="0">
+            <a:spAutoFit/>
+          </a:bodyPr>
+          <a:lstStyle/>
+          <a:p>
+            <a:pPr algn="ctr"/>
+            <a:r>
+              <a:rPr lang="en-US" sz="1400" dirty="0"/>
+              <a:t>METADATA_ALL_PRIVILEGES</a:t>
+            </a:r>
+          </a:p>
+        </p:txBody>
+      </p:sp>
+      <p:cxnSp>
+        <p:nvCxnSpPr>
+          <p:cNvPr id="39" name="Straight Arrow Connector 38">
+            <a:extLst>
+              <a:ext uri="{FF2B5EF4-FFF2-40B4-BE49-F238E27FC236}">
+                <a16:creationId xmlns:a16="http://schemas.microsoft.com/office/drawing/2014/main" id="{0525A084-CFCE-594A-BA61-BBA0B8B67F68}"/>
+              </a:ext>
+            </a:extLst>
+          </p:cNvPr>
+          <p:cNvCxnSpPr>
+            <a:cxnSpLocks/>
+            <a:stCxn id="37" idx="1"/>
+          </p:cNvCxnSpPr>
+          <p:nvPr/>
+        </p:nvCxnSpPr>
+        <p:spPr>
+          <a:xfrm flipH="1">
+            <a:off x="6794339" y="2492937"/>
+            <a:ext cx="1934918" cy="1026968"/>
+          </a:xfrm>
+          <a:prstGeom prst="straightConnector1">
+            <a:avLst/>
+          </a:prstGeom>
+          <a:ln>
+            <a:tailEnd type="triangle"/>
+          </a:ln>
+        </p:spPr>
+        <p:style>
+          <a:lnRef idx="1">
+            <a:schemeClr val="accent1"/>
+          </a:lnRef>
+          <a:fillRef idx="0">
+            <a:schemeClr val="accent1"/>
+          </a:fillRef>
+          <a:effectRef idx="0">
+            <a:schemeClr val="accent1"/>
+          </a:effectRef>
+          <a:fontRef idx="minor">
+            <a:schemeClr val="tx1"/>
+          </a:fontRef>
+        </p:style>
+      </p:cxnSp>
+      <p:cxnSp>
+        <p:nvCxnSpPr>
+          <p:cNvPr id="42" name="Straight Arrow Connector 41">
+            <a:extLst>
+              <a:ext uri="{FF2B5EF4-FFF2-40B4-BE49-F238E27FC236}">
+                <a16:creationId xmlns:a16="http://schemas.microsoft.com/office/drawing/2014/main" id="{E397E0C8-4624-9040-B488-173E48D0F3C0}"/>
+              </a:ext>
+            </a:extLst>
+          </p:cNvPr>
+          <p:cNvCxnSpPr>
+            <a:cxnSpLocks/>
+            <a:stCxn id="38" idx="3"/>
+            <a:endCxn id="8" idx="1"/>
+          </p:cNvCxnSpPr>
+          <p:nvPr/>
+        </p:nvCxnSpPr>
+        <p:spPr>
+          <a:xfrm flipV="1">
+            <a:off x="7506308" y="3861965"/>
+            <a:ext cx="1206603" cy="1672377"/>
+          </a:xfrm>
+          <a:prstGeom prst="straightConnector1">
+            <a:avLst/>
+          </a:prstGeom>
+          <a:ln>
+            <a:tailEnd type="triangle"/>
+          </a:ln>
+        </p:spPr>
+        <p:style>
+          <a:lnRef idx="1">
+            <a:schemeClr val="accent1"/>
+          </a:lnRef>
+          <a:fillRef idx="0">
+            <a:schemeClr val="accent1"/>
+          </a:fillRef>
+          <a:effectRef idx="0">
+            <a:schemeClr val="accent1"/>
+          </a:effectRef>
+          <a:fontRef idx="minor">
+            <a:schemeClr val="tx1"/>
+          </a:fontRef>
+        </p:style>
+      </p:cxnSp>
     </p:spTree>
     <p:extLst>
       <p:ext uri="{BB962C8B-B14F-4D97-AF65-F5344CB8AC3E}">
